--- a/war_of_Mini_양형배_박건희_박건우.pptx
+++ b/war_of_Mini_양형배_박건희_박건우.pptx
@@ -1,35 +1,35 @@
 
 <file path=ppt/presentation.xml><?xml version="1.0" encoding="utf-8"?>
-<p:presentation xmlns:a="http://schemas.openxmlformats.org/drawingml/2006/main" xmlns:r="http://schemas.openxmlformats.org/officeDocument/2006/relationships" xmlns:p="http://schemas.openxmlformats.org/presentationml/2006/main" showSpecialPlsOnTitleSld="0" saveSubsetFonts="1">
+<p:presentation xmlns:r="http://schemas.openxmlformats.org/officeDocument/2006/relationships" xmlns:c="http://schemas.openxmlformats.org/drawingml/2006/chart" xmlns:a="http://schemas.openxmlformats.org/drawingml/2006/main" xmlns:dgm="http://schemas.openxmlformats.org/drawingml/2006/diagram" xmlns:dsp="http://schemas.microsoft.com/office/drawing/2008/diagram" xmlns:p="http://schemas.openxmlformats.org/presentationml/2006/main" showSpecialPlsOnTitleSld="0" saveSubsetFonts="1">
   <p:sldMasterIdLst>
-    <p:sldMasterId id="2147483648" r:id="rId1"/>
+    <p:sldMasterId id="2147483660" r:id="rId1"/>
   </p:sldMasterIdLst>
   <p:notesMasterIdLst>
-    <p:notesMasterId r:id="rId24"/>
+    <p:notesMasterId r:id="rId2"/>
   </p:notesMasterIdLst>
   <p:sldIdLst>
-    <p:sldId id="256" r:id="rId2"/>
-    <p:sldId id="257" r:id="rId3"/>
-    <p:sldId id="276" r:id="rId4"/>
-    <p:sldId id="259" r:id="rId5"/>
-    <p:sldId id="264" r:id="rId6"/>
-    <p:sldId id="267" r:id="rId7"/>
-    <p:sldId id="281" r:id="rId8"/>
-    <p:sldId id="269" r:id="rId9"/>
-    <p:sldId id="280" r:id="rId10"/>
-    <p:sldId id="279" r:id="rId11"/>
+    <p:sldId id="256" r:id="rId3"/>
+    <p:sldId id="257" r:id="rId4"/>
+    <p:sldId id="258" r:id="rId5"/>
+    <p:sldId id="259" r:id="rId6"/>
+    <p:sldId id="260" r:id="rId7"/>
+    <p:sldId id="261" r:id="rId8"/>
+    <p:sldId id="262" r:id="rId9"/>
+    <p:sldId id="263" r:id="rId10"/>
+    <p:sldId id="264" r:id="rId11"/>
     <p:sldId id="265" r:id="rId12"/>
-    <p:sldId id="268" r:id="rId13"/>
-    <p:sldId id="271" r:id="rId14"/>
-    <p:sldId id="273" r:id="rId15"/>
-    <p:sldId id="277" r:id="rId16"/>
-    <p:sldId id="278" r:id="rId17"/>
-    <p:sldId id="272" r:id="rId18"/>
-    <p:sldId id="275" r:id="rId19"/>
-    <p:sldId id="285" r:id="rId20"/>
-    <p:sldId id="283" r:id="rId21"/>
-    <p:sldId id="284" r:id="rId22"/>
-    <p:sldId id="260" r:id="rId23"/>
+    <p:sldId id="266" r:id="rId13"/>
+    <p:sldId id="267" r:id="rId14"/>
+    <p:sldId id="268" r:id="rId15"/>
+    <p:sldId id="269" r:id="rId16"/>
+    <p:sldId id="270" r:id="rId17"/>
+    <p:sldId id="271" r:id="rId18"/>
+    <p:sldId id="272" r:id="rId19"/>
+    <p:sldId id="273" r:id="rId20"/>
+    <p:sldId id="274" r:id="rId21"/>
+    <p:sldId id="275" r:id="rId22"/>
+    <p:sldId id="276" r:id="rId23"/>
+    <p:sldId id="277" r:id="rId24"/>
   </p:sldIdLst>
   <p:sldSz cx="9144000" cy="6858000" type="screen4x3"/>
   <p:notesSz cx="6858000" cy="9144000"/>
@@ -128,27 +128,11 @@
       </a:defRPr>
     </a:lvl9pPr>
   </p:defaultTextStyle>
-  <p:extLst>
-    <p:ext uri="{EFAFB233-063F-42B5-8137-9DF3F51BA10A}">
-      <p15:sldGuideLst xmlns="" xmlns:p15="http://schemas.microsoft.com/office/powerpoint/2012/main">
-        <p15:guide id="1" orient="horz" pos="2160">
-          <p15:clr>
-            <a:srgbClr val="A4A3A4"/>
-          </p15:clr>
-        </p15:guide>
-        <p15:guide id="2" pos="2880">
-          <p15:clr>
-            <a:srgbClr val="A4A3A4"/>
-          </p15:clr>
-        </p15:guide>
-      </p15:sldGuideLst>
-    </p:ext>
-  </p:extLst>
 </p:presentation>
 </file>
 
 <file path=ppt/notesMasters/notesMaster1.xml><?xml version="1.0" encoding="utf-8"?>
-<p:notesMaster xmlns:a="http://schemas.openxmlformats.org/drawingml/2006/main" xmlns:r="http://schemas.openxmlformats.org/officeDocument/2006/relationships" xmlns:p="http://schemas.openxmlformats.org/presentationml/2006/main">
+<p:notesMaster xmlns:r="http://schemas.openxmlformats.org/officeDocument/2006/relationships" xmlns:c="http://schemas.openxmlformats.org/drawingml/2006/chart" xmlns:a="http://schemas.openxmlformats.org/drawingml/2006/main" xmlns:dgm="http://schemas.openxmlformats.org/drawingml/2006/diagram" xmlns:dsp="http://schemas.microsoft.com/office/drawing/2008/diagram" xmlns:p="http://schemas.openxmlformats.org/presentationml/2006/main">
   <p:cSld>
     <p:bg>
       <p:bgRef idx="1001">
@@ -176,7 +160,7 @@
             <a:spLocks noGrp="1"/>
           </p:cNvSpPr>
           <p:nvPr>
-            <p:ph type="hdr" sz="quarter"/>
+            <p:ph type="hdr" sz="quarter" idx="0"/>
           </p:nvPr>
         </p:nvSpPr>
         <p:spPr>
@@ -189,13 +173,20 @@
           </a:prstGeom>
         </p:spPr>
         <p:txBody>
-          <a:bodyPr vert="horz" lIns="91440" tIns="45720" rIns="91440" bIns="45720" rtlCol="0"/>
+          <a:bodyPr vert="horz" lIns="91440" tIns="45720" rIns="91440" bIns="45720"/>
           <a:lstStyle>
             <a:lvl1pPr algn="l">
               <a:defRPr sz="1200"/>
             </a:lvl1pPr>
           </a:lstStyle>
           <a:p>
+            <a:pPr lvl="0">
+              <a:defRPr lang="ko-KR" altLang="en-US"/>
+            </a:pPr>
+            <a:r>
+              <a:rPr lang="ko-KR" altLang="en-US"/>
+              <a:t/>
+            </a:r>
             <a:endParaRPr lang="ko-KR" altLang="en-US"/>
           </a:p>
         </p:txBody>
@@ -220,17 +211,22 @@
           </a:prstGeom>
         </p:spPr>
         <p:txBody>
-          <a:bodyPr vert="horz" lIns="91440" tIns="45720" rIns="91440" bIns="45720" rtlCol="0"/>
+          <a:bodyPr vert="horz" lIns="91440" tIns="45720" rIns="91440" bIns="45720"/>
           <a:lstStyle>
             <a:lvl1pPr algn="r">
               <a:defRPr sz="1200"/>
             </a:lvl1pPr>
           </a:lstStyle>
           <a:p>
-            <a:fld id="{12A065CF-4DFD-4D02-8A50-5FA89EA98515}" type="datetimeFigureOut">
-              <a:rPr lang="ko-KR" altLang="en-US" smtClean="0"/>
-              <a:pPr/>
-              <a:t>2017-01-08</a:t>
+            <a:pPr lvl="0">
+              <a:defRPr lang="ko-KR" altLang="en-US"/>
+            </a:pPr>
+            <a:fld id="{12A065CF-4DFD-4D02-8A50-5FA89EA98515}" type="datetime1">
+              <a:rPr lang="ko-KR" altLang="en-US"/>
+              <a:pPr lvl="0">
+                <a:defRPr lang="ko-KR" altLang="en-US"/>
+              </a:pPr>
+              <a:t>2017-05-09</a:t>
             </a:fld>
             <a:endParaRPr lang="ko-KR" altLang="en-US"/>
           </a:p>
@@ -240,7 +236,7 @@
         <p:nvSpPr>
           <p:cNvPr id="4" name="슬라이드 이미지 개체 틀 3"/>
           <p:cNvSpPr>
-            <a:spLocks noGrp="1" noRot="1" noChangeAspect="1"/>
+            <a:spLocks noGrp="1" noRot="1" noChangeAspect="1" noTextEdit="1"/>
           </p:cNvSpPr>
           <p:nvPr>
             <p:ph type="sldImg" idx="2"/>
@@ -262,9 +258,12 @@
           </a:ln>
         </p:spPr>
         <p:txBody>
-          <a:bodyPr vert="horz" lIns="91440" tIns="45720" rIns="91440" bIns="45720" rtlCol="0" anchor="ctr"/>
+          <a:bodyPr vert="horz" lIns="91440" tIns="45720" rIns="91440" bIns="45720" anchor="ctr"/>
           <a:lstStyle/>
           <a:p>
+            <a:pPr lvl="0">
+              <a:defRPr lang="ko-KR" altLang="en-US"/>
+            </a:pPr>
             <a:endParaRPr lang="ko-KR" altLang="en-US"/>
           </a:p>
         </p:txBody>
@@ -289,42 +288,56 @@
           </a:prstGeom>
         </p:spPr>
         <p:txBody>
-          <a:bodyPr vert="horz" lIns="91440" tIns="45720" rIns="91440" bIns="45720" rtlCol="0">
+          <a:bodyPr vert="horz" lIns="91440" tIns="45720" rIns="91440" bIns="45720">
             <a:normAutofit/>
           </a:bodyPr>
           <a:lstStyle/>
           <a:p>
-            <a:pPr lvl="0"/>
-            <a:r>
-              <a:rPr lang="ko-KR" altLang="en-US" smtClean="0"/>
+            <a:pPr lvl="0">
+              <a:defRPr lang="ko-KR" altLang="en-US"/>
+            </a:pPr>
+            <a:r>
+              <a:rPr lang="ko-KR" altLang="en-US"/>
               <a:t>마스터 텍스트 스타일을 편집합니다</a:t>
             </a:r>
-          </a:p>
-          <a:p>
-            <a:pPr lvl="1"/>
-            <a:r>
-              <a:rPr lang="ko-KR" altLang="en-US" smtClean="0"/>
+            <a:endParaRPr lang="ko-KR" altLang="en-US"/>
+          </a:p>
+          <a:p>
+            <a:pPr lvl="1">
+              <a:defRPr lang="ko-KR" altLang="en-US"/>
+            </a:pPr>
+            <a:r>
+              <a:rPr lang="ko-KR" altLang="en-US"/>
               <a:t>둘째 수준</a:t>
             </a:r>
-          </a:p>
-          <a:p>
-            <a:pPr lvl="2"/>
-            <a:r>
-              <a:rPr lang="ko-KR" altLang="en-US" smtClean="0"/>
+            <a:endParaRPr lang="ko-KR" altLang="en-US"/>
+          </a:p>
+          <a:p>
+            <a:pPr lvl="2">
+              <a:defRPr lang="ko-KR" altLang="en-US"/>
+            </a:pPr>
+            <a:r>
+              <a:rPr lang="ko-KR" altLang="en-US"/>
               <a:t>셋째 수준</a:t>
             </a:r>
-          </a:p>
-          <a:p>
-            <a:pPr lvl="3"/>
-            <a:r>
-              <a:rPr lang="ko-KR" altLang="en-US" smtClean="0"/>
+            <a:endParaRPr lang="ko-KR" altLang="en-US"/>
+          </a:p>
+          <a:p>
+            <a:pPr lvl="3">
+              <a:defRPr lang="ko-KR" altLang="en-US"/>
+            </a:pPr>
+            <a:r>
+              <a:rPr lang="ko-KR" altLang="en-US"/>
               <a:t>넷째 수준</a:t>
             </a:r>
-          </a:p>
-          <a:p>
-            <a:pPr lvl="4"/>
-            <a:r>
-              <a:rPr lang="ko-KR" altLang="en-US" smtClean="0"/>
+            <a:endParaRPr lang="ko-KR" altLang="en-US"/>
+          </a:p>
+          <a:p>
+            <a:pPr lvl="4">
+              <a:defRPr lang="ko-KR" altLang="en-US"/>
+            </a:pPr>
+            <a:r>
+              <a:rPr lang="ko-KR" altLang="en-US"/>
               <a:t>다섯째 수준</a:t>
             </a:r>
             <a:endParaRPr lang="ko-KR" altLang="en-US"/>
@@ -351,13 +364,20 @@
           </a:prstGeom>
         </p:spPr>
         <p:txBody>
-          <a:bodyPr vert="horz" lIns="91440" tIns="45720" rIns="91440" bIns="45720" rtlCol="0" anchor="b"/>
+          <a:bodyPr vert="horz" lIns="91440" tIns="45720" rIns="91440" bIns="45720" anchor="b"/>
           <a:lstStyle>
             <a:lvl1pPr algn="l">
               <a:defRPr sz="1200"/>
             </a:lvl1pPr>
           </a:lstStyle>
           <a:p>
+            <a:pPr lvl="0">
+              <a:defRPr lang="ko-KR" altLang="en-US"/>
+            </a:pPr>
+            <a:r>
+              <a:rPr lang="ko-KR" altLang="en-US"/>
+              <a:t/>
+            </a:r>
             <a:endParaRPr lang="ko-KR" altLang="en-US"/>
           </a:p>
         </p:txBody>
@@ -382,16 +402,21 @@
           </a:prstGeom>
         </p:spPr>
         <p:txBody>
-          <a:bodyPr vert="horz" lIns="91440" tIns="45720" rIns="91440" bIns="45720" rtlCol="0" anchor="b"/>
+          <a:bodyPr vert="horz" lIns="91440" tIns="45720" rIns="91440" bIns="45720" anchor="b"/>
           <a:lstStyle>
             <a:lvl1pPr algn="r">
               <a:defRPr sz="1200"/>
             </a:lvl1pPr>
           </a:lstStyle>
           <a:p>
+            <a:pPr lvl="0">
+              <a:defRPr lang="ko-KR" altLang="en-US"/>
+            </a:pPr>
             <a:fld id="{39ECBBA2-DE62-4D54-8DC2-0D4C28C39C7F}" type="slidenum">
-              <a:rPr lang="ko-KR" altLang="en-US" smtClean="0"/>
-              <a:pPr/>
+              <a:rPr lang="ko-KR" altLang="en-US"/>
+              <a:pPr lvl="0">
+                <a:defRPr lang="ko-KR" altLang="en-US"/>
+              </a:pPr>
               <a:t>‹#›</a:t>
             </a:fld>
             <a:endParaRPr lang="ko-KR" altLang="en-US"/>
@@ -399,13 +424,9 @@
         </p:txBody>
       </p:sp>
     </p:spTree>
-    <p:extLst>
-      <p:ext uri="{BB962C8B-B14F-4D97-AF65-F5344CB8AC3E}">
-        <p14:creationId xmlns="" xmlns:p14="http://schemas.microsoft.com/office/powerpoint/2010/main" val="2037100400"/>
-      </p:ext>
-    </p:extLst>
   </p:cSld>
   <p:clrMap bg1="lt1" tx1="dk1" bg2="lt2" tx2="dk2" accent1="accent1" accent2="accent2" accent3="accent3" accent4="accent4" accent5="accent5" accent6="accent6" hlink="hlink" folHlink="folHlink"/>
+  <p:hf hdr="0" ftr="0" dt="0"/>
   <p:notesStyle>
     <a:lvl1pPr marL="0" algn="l" defTabSz="914400" rtl="0" eaLnBrk="1" latinLnBrk="1" hangingPunct="1">
       <a:defRPr sz="1200" kern="1200">
@@ -502,7 +523,7 @@
 </file>
 
 <file path=ppt/notesSlides/notesSlide1.xml><?xml version="1.0" encoding="utf-8"?>
-<p:notes xmlns:a="http://schemas.openxmlformats.org/drawingml/2006/main" xmlns:r="http://schemas.openxmlformats.org/officeDocument/2006/relationships" xmlns:p="http://schemas.openxmlformats.org/presentationml/2006/main">
+<p:notes xmlns:r="http://schemas.openxmlformats.org/officeDocument/2006/relationships" xmlns:c="http://schemas.openxmlformats.org/drawingml/2006/chart" xmlns:a="http://schemas.openxmlformats.org/drawingml/2006/main" xmlns:dgm="http://schemas.openxmlformats.org/drawingml/2006/diagram" xmlns:dsp="http://schemas.microsoft.com/office/drawing/2008/diagram" xmlns:p="http://schemas.openxmlformats.org/presentationml/2006/main">
   <p:cSld>
     <p:spTree>
       <p:nvGrpSpPr>
@@ -522,10 +543,10 @@
         <p:nvSpPr>
           <p:cNvPr id="2" name="슬라이드 이미지 개체 틀 1"/>
           <p:cNvSpPr>
-            <a:spLocks noGrp="1" noRot="1" noChangeAspect="1"/>
+            <a:spLocks noGrp="1" noRot="1" noChangeAspect="1" noTextEdit="1"/>
           </p:cNvSpPr>
           <p:nvPr>
-            <p:ph type="sldImg"/>
+            <p:ph type="sldImg" idx="0"/>
           </p:nvPr>
         </p:nvSpPr>
         <p:spPr/>
@@ -545,7 +566,14 @@
           <a:bodyPr/>
           <a:lstStyle/>
           <a:p>
-            <a:endParaRPr lang="ko-KR" altLang="en-US" dirty="0"/>
+            <a:pPr lvl="0">
+              <a:defRPr lang="ko-KR" altLang="en-US"/>
+            </a:pPr>
+            <a:r>
+              <a:rPr lang="ko-KR" altLang="en-US"/>
+              <a:t/>
+            </a:r>
+            <a:endParaRPr lang="ko-KR" altLang="en-US"/>
           </a:p>
         </p:txBody>
       </p:sp>
@@ -564,9 +592,14 @@
           <a:bodyPr/>
           <a:lstStyle/>
           <a:p>
+            <a:pPr lvl="0">
+              <a:defRPr lang="ko-KR" altLang="en-US"/>
+            </a:pPr>
             <a:fld id="{39ECBBA2-DE62-4D54-8DC2-0D4C28C39C7F}" type="slidenum">
-              <a:rPr lang="ko-KR" altLang="en-US" smtClean="0"/>
-              <a:pPr/>
+              <a:rPr lang="ko-KR" altLang="en-US"/>
+              <a:pPr lvl="0">
+                <a:defRPr lang="ko-KR" altLang="en-US"/>
+              </a:pPr>
               <a:t>5</a:t>
             </a:fld>
             <a:endParaRPr lang="ko-KR" altLang="en-US"/>
@@ -574,15 +607,7 @@
         </p:txBody>
       </p:sp>
     </p:spTree>
-    <p:extLst>
-      <p:ext uri="{BB962C8B-B14F-4D97-AF65-F5344CB8AC3E}">
-        <p14:creationId xmlns="" xmlns:p14="http://schemas.microsoft.com/office/powerpoint/2010/main" val="672204647"/>
-      </p:ext>
-    </p:extLst>
   </p:cSld>
-  <p:clrMapOvr>
-    <a:masterClrMapping/>
-  </p:clrMapOvr>
 </p:notes>
 </file>
 
@@ -16844,7 +16869,7 @@
 </file>
 
 <file path=ppt/slides/slide2.xml><?xml version="1.0" encoding="utf-8"?>
-<p:sld xmlns:a="http://schemas.openxmlformats.org/drawingml/2006/main" xmlns:r="http://schemas.openxmlformats.org/officeDocument/2006/relationships" xmlns:p="http://schemas.openxmlformats.org/presentationml/2006/main">
+<p:sld xmlns:r="http://schemas.openxmlformats.org/officeDocument/2006/relationships" xmlns:c="http://schemas.openxmlformats.org/drawingml/2006/chart" xmlns:a="http://schemas.openxmlformats.org/drawingml/2006/main" xmlns:dgm="http://schemas.openxmlformats.org/drawingml/2006/diagram" xmlns:dsp="http://schemas.microsoft.com/office/drawing/2008/diagram" xmlns:p="http://schemas.openxmlformats.org/presentationml/2006/main">
   <p:cSld>
     <p:spTree>
       <p:nvGrpSpPr>
@@ -16869,7 +16894,7 @@
         <p:spPr>
           <a:xfrm>
             <a:off x="4283968" y="2348881"/>
-            <a:ext cx="3109596" cy="1872208"/>
+            <a:ext cx="3109596" cy="2736303"/>
           </a:xfrm>
           <a:prstGeom prst="rect">
             <a:avLst/>
@@ -16877,7 +16902,7 @@
           <a:noFill/>
         </p:spPr>
         <p:txBody>
-          <a:bodyPr wrap="none" rtlCol="0">
+          <a:bodyPr wrap="none">
             <a:noAutofit/>
           </a:bodyPr>
           <a:lstStyle/>
@@ -16887,9 +16912,10 @@
                 <a:spcPct val="150000"/>
               </a:lnSpc>
               <a:buAutoNum type="arabicPeriod"/>
+              <a:defRPr lang="ko-KR" altLang="en-US"/>
             </a:pPr>
             <a:r>
-              <a:rPr lang="ko-KR" altLang="en-US" sz="1400" b="1" dirty="0" smtClean="0">
+              <a:rPr lang="ko-KR" altLang="en-US" sz="1700" b="1">
                 <a:solidFill>
                   <a:schemeClr val="tx1">
                     <a:lumMod val="65000"/>
@@ -16897,9 +16923,9 @@
                   </a:schemeClr>
                 </a:solidFill>
               </a:rPr>
-              <a:t>연구 목적</a:t>
-            </a:r>
-            <a:endParaRPr lang="en-US" altLang="ko-KR" sz="1400" b="1" dirty="0" smtClean="0">
+              <a:t>게임소개</a:t>
+            </a:r>
+            <a:endParaRPr lang="ko-KR" altLang="en-US" sz="1700" b="1">
               <a:solidFill>
                 <a:schemeClr val="tx1">
                   <a:lumMod val="65000"/>
@@ -16914,9 +16940,10 @@
                 <a:spcPct val="150000"/>
               </a:lnSpc>
               <a:buAutoNum type="arabicPeriod"/>
+              <a:defRPr lang="ko-KR" altLang="en-US"/>
             </a:pPr>
             <a:r>
-              <a:rPr lang="ko-KR" altLang="en-US" sz="1400" b="1" dirty="0" smtClean="0">
+              <a:rPr lang="ko-KR" altLang="en-US" sz="1700" b="1">
                 <a:solidFill>
                   <a:schemeClr val="tx1">
                     <a:lumMod val="65000"/>
@@ -16924,10 +16951,27 @@
                   </a:schemeClr>
                 </a:solidFill>
               </a:rPr>
-              <a:t>게임 소개 및 </a:t>
-            </a:r>
-            <a:r>
-              <a:rPr lang="ko-KR" altLang="en-US" sz="1400" b="1" dirty="0" err="1" smtClean="0">
+              <a:t>조작방법</a:t>
+            </a:r>
+            <a:endParaRPr lang="ko-KR" altLang="en-US" sz="1700" b="1">
+              <a:solidFill>
+                <a:schemeClr val="tx1">
+                  <a:lumMod val="65000"/>
+                  <a:lumOff val="35000"/>
+                </a:schemeClr>
+              </a:solidFill>
+            </a:endParaRPr>
+          </a:p>
+          <a:p>
+            <a:pPr marL="342900" indent="-342900">
+              <a:lnSpc>
+                <a:spcPct val="150000"/>
+              </a:lnSpc>
+              <a:buAutoNum type="arabicPeriod"/>
+              <a:defRPr lang="ko-KR" altLang="en-US"/>
+            </a:pPr>
+            <a:r>
+              <a:rPr lang="ko-KR" altLang="en-US" sz="1700" b="1">
                 <a:solidFill>
                   <a:schemeClr val="tx1">
                     <a:lumMod val="65000"/>
@@ -16935,9 +16979,9 @@
                   </a:schemeClr>
                 </a:solidFill>
               </a:rPr>
-              <a:t>컨셉</a:t>
-            </a:r>
-            <a:endParaRPr lang="en-US" altLang="ko-KR" sz="1400" b="1" dirty="0" smtClean="0">
+              <a:t>중점연구분야</a:t>
+            </a:r>
+            <a:endParaRPr lang="ko-KR" altLang="en-US" sz="1700" b="1">
               <a:solidFill>
                 <a:schemeClr val="tx1">
                   <a:lumMod val="65000"/>
@@ -16951,11 +16995,11 @@
               <a:lnSpc>
                 <a:spcPct val="150000"/>
               </a:lnSpc>
-              <a:buFontTx/>
               <a:buAutoNum type="arabicPeriod"/>
+              <a:defRPr lang="ko-KR" altLang="en-US"/>
             </a:pPr>
             <a:r>
-              <a:rPr lang="ko-KR" altLang="en-US" sz="1400" b="1" dirty="0" smtClean="0">
+              <a:rPr lang="ko-KR" altLang="en-US" sz="1700" b="1">
                 <a:solidFill>
                   <a:schemeClr val="tx1">
                     <a:lumMod val="65000"/>
@@ -16963,9 +17007,9 @@
                   </a:schemeClr>
                 </a:solidFill>
               </a:rPr>
-              <a:t>게임의 진행 및 흐름</a:t>
-            </a:r>
-            <a:endParaRPr lang="en-US" altLang="ko-KR" sz="1400" b="1" dirty="0" smtClean="0">
+              <a:t>개발내용</a:t>
+            </a:r>
+            <a:endParaRPr lang="ko-KR" altLang="en-US" sz="1700" b="1">
               <a:solidFill>
                 <a:schemeClr val="tx1">
                   <a:lumMod val="65000"/>
@@ -16979,11 +17023,11 @@
               <a:lnSpc>
                 <a:spcPct val="150000"/>
               </a:lnSpc>
-              <a:buFontTx/>
               <a:buAutoNum type="arabicPeriod"/>
+              <a:defRPr lang="ko-KR" altLang="en-US"/>
             </a:pPr>
             <a:r>
-              <a:rPr lang="ko-KR" altLang="en-US" sz="1400" b="1" dirty="0" smtClean="0">
+              <a:rPr lang="ko-KR" altLang="en-US" sz="1700" b="1">
                 <a:solidFill>
                   <a:schemeClr val="tx1">
                     <a:lumMod val="65000"/>
@@ -16991,9 +17035,9 @@
                   </a:schemeClr>
                 </a:solidFill>
               </a:rPr>
-              <a:t>게임 조작</a:t>
-            </a:r>
-            <a:endParaRPr lang="en-US" altLang="ko-KR" sz="1400" b="1" dirty="0" smtClean="0">
+              <a:t>일정</a:t>
+            </a:r>
+            <a:endParaRPr lang="ko-KR" altLang="en-US" sz="1700" b="1">
               <a:solidFill>
                 <a:schemeClr val="tx1">
                   <a:lumMod val="65000"/>
@@ -17007,11 +17051,11 @@
               <a:lnSpc>
                 <a:spcPct val="150000"/>
               </a:lnSpc>
-              <a:buFontTx/>
               <a:buAutoNum type="arabicPeriod"/>
+              <a:defRPr lang="ko-KR" altLang="en-US"/>
             </a:pPr>
             <a:r>
-              <a:rPr lang="ko-KR" altLang="en-US" sz="1400" b="1" dirty="0" smtClean="0">
+              <a:rPr lang="ko-KR" altLang="en-US" sz="1700" b="1">
                 <a:solidFill>
                   <a:schemeClr val="tx1">
                     <a:lumMod val="65000"/>
@@ -17019,9 +17063,9 @@
                   </a:schemeClr>
                 </a:solidFill>
               </a:rPr>
-              <a:t>개발 환경</a:t>
-            </a:r>
-            <a:endParaRPr lang="en-US" altLang="ko-KR" sz="1400" b="1" dirty="0" smtClean="0">
+              <a:t>데모시연</a:t>
+            </a:r>
+            <a:endParaRPr lang="ko-KR" altLang="en-US" sz="1400" b="1">
               <a:solidFill>
                 <a:schemeClr val="tx1">
                   <a:lumMod val="65000"/>
@@ -17035,146 +17079,10 @@
               <a:lnSpc>
                 <a:spcPct val="150000"/>
               </a:lnSpc>
-              <a:buFontTx/>
               <a:buAutoNum type="arabicPeriod"/>
+              <a:defRPr lang="ko-KR" altLang="en-US"/>
             </a:pPr>
-            <a:r>
-              <a:rPr lang="ko-KR" altLang="en-US" sz="1400" b="1" dirty="0" smtClean="0">
-                <a:solidFill>
-                  <a:schemeClr val="tx1">
-                    <a:lumMod val="65000"/>
-                    <a:lumOff val="35000"/>
-                  </a:schemeClr>
-                </a:solidFill>
-              </a:rPr>
-              <a:t>기술적 요소</a:t>
-            </a:r>
-            <a:endParaRPr lang="en-US" altLang="ko-KR" sz="1400" b="1" dirty="0" smtClean="0">
-              <a:solidFill>
-                <a:schemeClr val="tx1">
-                  <a:lumMod val="65000"/>
-                  <a:lumOff val="35000"/>
-                </a:schemeClr>
-              </a:solidFill>
-            </a:endParaRPr>
-          </a:p>
-          <a:p>
-            <a:pPr marL="342900" indent="-342900">
-              <a:lnSpc>
-                <a:spcPct val="150000"/>
-              </a:lnSpc>
-              <a:buFontTx/>
-              <a:buAutoNum type="arabicPeriod"/>
-            </a:pPr>
-            <a:r>
-              <a:rPr lang="ko-KR" altLang="en-US" sz="1400" b="1" dirty="0" smtClean="0">
-                <a:solidFill>
-                  <a:schemeClr val="tx1">
-                    <a:lumMod val="65000"/>
-                    <a:lumOff val="35000"/>
-                  </a:schemeClr>
-                </a:solidFill>
-              </a:rPr>
-              <a:t>타 게임과 비교</a:t>
-            </a:r>
-            <a:endParaRPr lang="en-US" altLang="ko-KR" sz="1400" b="1" dirty="0" smtClean="0">
-              <a:solidFill>
-                <a:schemeClr val="tx1">
-                  <a:lumMod val="65000"/>
-                  <a:lumOff val="35000"/>
-                </a:schemeClr>
-              </a:solidFill>
-            </a:endParaRPr>
-          </a:p>
-          <a:p>
-            <a:pPr marL="342900" indent="-342900">
-              <a:lnSpc>
-                <a:spcPct val="150000"/>
-              </a:lnSpc>
-              <a:buAutoNum type="arabicPeriod"/>
-            </a:pPr>
-            <a:r>
-              <a:rPr lang="ko-KR" altLang="en-US" sz="1400" b="1" dirty="0" smtClean="0">
-                <a:solidFill>
-                  <a:schemeClr val="tx1">
-                    <a:lumMod val="65000"/>
-                    <a:lumOff val="35000"/>
-                  </a:schemeClr>
-                </a:solidFill>
-              </a:rPr>
-              <a:t>개발 범위</a:t>
-            </a:r>
-            <a:endParaRPr lang="en-US" altLang="ko-KR" sz="1400" b="1" dirty="0" smtClean="0">
-              <a:solidFill>
-                <a:schemeClr val="tx1">
-                  <a:lumMod val="65000"/>
-                  <a:lumOff val="35000"/>
-                </a:schemeClr>
-              </a:solidFill>
-            </a:endParaRPr>
-          </a:p>
-          <a:p>
-            <a:pPr marL="342900" indent="-342900">
-              <a:lnSpc>
-                <a:spcPct val="150000"/>
-              </a:lnSpc>
-              <a:buAutoNum type="arabicPeriod"/>
-            </a:pPr>
-            <a:r>
-              <a:rPr lang="ko-KR" altLang="en-US" sz="1400" b="1" dirty="0" smtClean="0">
-                <a:solidFill>
-                  <a:schemeClr val="tx1">
-                    <a:lumMod val="65000"/>
-                    <a:lumOff val="35000"/>
-                  </a:schemeClr>
-                </a:solidFill>
-              </a:rPr>
-              <a:t>팀의 역할분담</a:t>
-            </a:r>
-            <a:endParaRPr lang="en-US" altLang="ko-KR" sz="1400" b="1" dirty="0" smtClean="0">
-              <a:solidFill>
-                <a:schemeClr val="tx1">
-                  <a:lumMod val="65000"/>
-                  <a:lumOff val="35000"/>
-                </a:schemeClr>
-              </a:solidFill>
-            </a:endParaRPr>
-          </a:p>
-          <a:p>
-            <a:pPr marL="342900" indent="-342900">
-              <a:lnSpc>
-                <a:spcPct val="150000"/>
-              </a:lnSpc>
-              <a:buAutoNum type="arabicPeriod"/>
-            </a:pPr>
-            <a:r>
-              <a:rPr lang="ko-KR" altLang="en-US" sz="1400" b="1" dirty="0" smtClean="0">
-                <a:solidFill>
-                  <a:schemeClr val="tx1">
-                    <a:lumMod val="65000"/>
-                    <a:lumOff val="35000"/>
-                  </a:schemeClr>
-                </a:solidFill>
-              </a:rPr>
-              <a:t>개발 일정</a:t>
-            </a:r>
-            <a:endParaRPr lang="en-US" altLang="ko-KR" sz="1400" b="1" dirty="0" smtClean="0">
-              <a:solidFill>
-                <a:schemeClr val="tx1">
-                  <a:lumMod val="65000"/>
-                  <a:lumOff val="35000"/>
-                </a:schemeClr>
-              </a:solidFill>
-            </a:endParaRPr>
-          </a:p>
-          <a:p>
-            <a:pPr marL="342900" indent="-342900">
-              <a:lnSpc>
-                <a:spcPct val="150000"/>
-              </a:lnSpc>
-              <a:buAutoNum type="arabicPeriod"/>
-            </a:pPr>
-            <a:endParaRPr lang="en-US" altLang="ko-KR" sz="1400" b="1" dirty="0" smtClean="0">
+            <a:endParaRPr lang="en-US" altLang="ko-KR" sz="1400" b="1">
               <a:solidFill>
                 <a:schemeClr val="tx1">
                   <a:lumMod val="65000"/>
@@ -17200,9 +17108,14 @@
           <a:bodyPr/>
           <a:lstStyle/>
           <a:p>
+            <a:pPr lvl="0">
+              <a:defRPr lang="ko-KR" altLang="en-US"/>
+            </a:pPr>
             <a:fld id="{77843E12-E023-498A-BDA7-94FBEE24E8A4}" type="slidenum">
-              <a:rPr lang="ko-KR" altLang="en-US" smtClean="0"/>
-              <a:pPr/>
+              <a:rPr lang="ko-KR" altLang="en-US"/>
+              <a:pPr lvl="0">
+                <a:defRPr lang="ko-KR" altLang="en-US"/>
+              </a:pPr>
               <a:t>2</a:t>
             </a:fld>
             <a:endParaRPr lang="ko-KR" altLang="en-US"/>
@@ -17218,7 +17131,7 @@
         <p:spPr>
           <a:xfrm>
             <a:off x="4499992" y="1700808"/>
-            <a:ext cx="1944216" cy="454292"/>
+            <a:ext cx="1944216" cy="497562"/>
           </a:xfrm>
           <a:prstGeom prst="rect">
             <a:avLst/>
@@ -17226,7 +17139,7 @@
           <a:noFill/>
         </p:spPr>
         <p:txBody>
-          <a:bodyPr wrap="square" rtlCol="0">
+          <a:bodyPr wrap="square">
             <a:spAutoFit/>
           </a:bodyPr>
           <a:lstStyle/>
@@ -17235,9 +17148,10 @@
               <a:lnSpc>
                 <a:spcPct val="150000"/>
               </a:lnSpc>
+              <a:defRPr lang="ko-KR" altLang="en-US"/>
             </a:pPr>
             <a:r>
-              <a:rPr lang="ko-KR" altLang="en-US" b="1" dirty="0" smtClean="0">
+              <a:rPr lang="ko-KR" altLang="en-US" b="1">
                 <a:solidFill>
                   <a:schemeClr val="tx1">
                     <a:lumMod val="65000"/>
@@ -17247,7 +17161,7 @@
               </a:rPr>
               <a:t>목       차</a:t>
             </a:r>
-            <a:endParaRPr lang="en-US" altLang="ko-KR" b="1" dirty="0" smtClean="0">
+            <a:endParaRPr lang="en-US" altLang="ko-KR" b="1">
               <a:solidFill>
                 <a:schemeClr val="tx1">
                   <a:lumMod val="65000"/>
@@ -17263,6 +17177,14 @@
   <p:clrMapOvr>
     <a:masterClrMapping/>
   </p:clrMapOvr>
+  <mc:AlternateContent xmlns:mc="http://schemas.openxmlformats.org/markup-compatibility/2006">
+    <mc:Choice xmlns:p14="http://schemas.microsoft.com/office/powerpoint/2010/main" Requires="p14">
+      <p:transition xmlns:mc="http://schemas.openxmlformats.org/markup-compatibility/2006" xmlns:p14="http://schemas.microsoft.com/office/powerpoint/2010/main" mc:Ignorable="p14" p14:dur="500"/>
+    </mc:Choice>
+    <mc:Fallback>
+      <p:transition/>
+    </mc:Fallback>
+  </mc:AlternateContent>
   <p:timing>
     <p:tnLst>
       <p:par>
@@ -26770,41 +26692,41 @@
 </file>
 
 <file path=ppt/theme/theme1.xml><?xml version="1.0" encoding="utf-8"?>
-<a:theme xmlns:a="http://schemas.openxmlformats.org/drawingml/2006/main" name="Office 테마">
+<a:theme xmlns:r="http://schemas.openxmlformats.org/officeDocument/2006/relationships" xmlns:c="http://schemas.openxmlformats.org/drawingml/2006/chart" xmlns:dgm="http://schemas.openxmlformats.org/drawingml/2006/diagram" xmlns:dsp="http://schemas.microsoft.com/office/drawing/2008/diagram" xmlns:a="http://schemas.openxmlformats.org/drawingml/2006/main" xmlns:pic="http://schemas.openxmlformats.org/drawingml/2006/picture" xmlns:wp="http://schemas.openxmlformats.org/drawingml/2006/wordprocessingDrawing" xmlns:xdr="http://schemas.openxmlformats.org/drawingml/2006/spreadsheetDrawing" name="Office 테마">
   <a:themeElements>
     <a:clrScheme name="Office">
       <a:dk1>
         <a:sysClr val="windowText" lastClr="000000"/>
       </a:dk1>
       <a:lt1>
-        <a:sysClr val="window" lastClr="FFFFFF"/>
+        <a:sysClr val="window" lastClr="ffffff"/>
       </a:lt1>
       <a:dk2>
-        <a:srgbClr val="1F497D"/>
+        <a:srgbClr val="1f497d"/>
       </a:dk2>
       <a:lt2>
-        <a:srgbClr val="EEECE1"/>
+        <a:srgbClr val="eeece1"/>
       </a:lt2>
       <a:accent1>
-        <a:srgbClr val="4F81BD"/>
+        <a:srgbClr val="4f81bd"/>
       </a:accent1>
       <a:accent2>
-        <a:srgbClr val="C0504D"/>
+        <a:srgbClr val="c0504d"/>
       </a:accent2>
       <a:accent3>
-        <a:srgbClr val="9BBB59"/>
+        <a:srgbClr val="9bbb59"/>
       </a:accent3>
       <a:accent4>
-        <a:srgbClr val="8064A2"/>
+        <a:srgbClr val="8064a2"/>
       </a:accent4>
       <a:accent5>
-        <a:srgbClr val="4BACC6"/>
+        <a:srgbClr val="4bacc6"/>
       </a:accent5>
       <a:accent6>
-        <a:srgbClr val="F79646"/>
+        <a:srgbClr val="f79646"/>
       </a:accent6>
       <a:hlink>
-        <a:srgbClr val="0000FF"/>
+        <a:srgbClr val="0000ff"/>
       </a:hlink>
       <a:folHlink>
         <a:srgbClr val="800080"/>
@@ -26982,17 +26904,6 @@
               </a:srgbClr>
             </a:outerShdw>
           </a:effectLst>
-          <a:scene3d>
-            <a:camera prst="orthographicFront">
-              <a:rot lat="0" lon="0" rev="0"/>
-            </a:camera>
-            <a:lightRig rig="threePt" dir="t">
-              <a:rot lat="0" lon="0" rev="1200000"/>
-            </a:lightRig>
-          </a:scene3d>
-          <a:sp3d>
-            <a:bevelT w="63500" h="25400"/>
-          </a:sp3d>
         </a:effectStyle>
       </a:effectStyleLst>
       <a:bgFillStyleLst>
@@ -27090,7 +27001,7 @@
       </a:bodyPr>
       <a:lstStyle>
         <a:defPPr>
-          <a:buFont typeface="Arial" pitchFamily="34" charset="0"/>
+          <a:buFont typeface="Arial"/>
           <a:buChar char="•"/>
           <a:defRPr sz="2000" b="1" dirty="0" smtClean="0">
             <a:solidFill>
@@ -27101,46 +27012,45 @@
       </a:lstStyle>
     </a:txDef>
   </a:objectDefaults>
-  <a:extraClrSchemeLst/>
 </a:theme>
 </file>
 
 <file path=ppt/theme/theme2.xml><?xml version="1.0" encoding="utf-8"?>
-<a:theme xmlns:a="http://schemas.openxmlformats.org/drawingml/2006/main" name="Office 테마">
+<a:theme xmlns:r="http://schemas.openxmlformats.org/officeDocument/2006/relationships" xmlns:c="http://schemas.openxmlformats.org/drawingml/2006/chart" xmlns:dgm="http://schemas.openxmlformats.org/drawingml/2006/diagram" xmlns:dsp="http://schemas.microsoft.com/office/drawing/2008/diagram" xmlns:a="http://schemas.openxmlformats.org/drawingml/2006/main" xmlns:pic="http://schemas.openxmlformats.org/drawingml/2006/picture" xmlns:wp="http://schemas.openxmlformats.org/drawingml/2006/wordprocessingDrawing" xmlns:xdr="http://schemas.openxmlformats.org/drawingml/2006/spreadsheetDrawing" name="Office 테마">
   <a:themeElements>
     <a:clrScheme name="Office">
       <a:dk1>
         <a:sysClr val="windowText" lastClr="000000"/>
       </a:dk1>
       <a:lt1>
-        <a:sysClr val="window" lastClr="FFFFFF"/>
+        <a:sysClr val="window" lastClr="ffffff"/>
       </a:lt1>
       <a:dk2>
-        <a:srgbClr val="1F497D"/>
+        <a:srgbClr val="1f497d"/>
       </a:dk2>
       <a:lt2>
-        <a:srgbClr val="EEECE1"/>
+        <a:srgbClr val="eeece1"/>
       </a:lt2>
       <a:accent1>
-        <a:srgbClr val="4F81BD"/>
+        <a:srgbClr val="4f81bd"/>
       </a:accent1>
       <a:accent2>
-        <a:srgbClr val="C0504D"/>
+        <a:srgbClr val="c0504d"/>
       </a:accent2>
       <a:accent3>
-        <a:srgbClr val="9BBB59"/>
+        <a:srgbClr val="9bbb59"/>
       </a:accent3>
       <a:accent4>
-        <a:srgbClr val="8064A2"/>
+        <a:srgbClr val="8064a2"/>
       </a:accent4>
       <a:accent5>
-        <a:srgbClr val="4BACC6"/>
+        <a:srgbClr val="4bacc6"/>
       </a:accent5>
       <a:accent6>
-        <a:srgbClr val="F79646"/>
+        <a:srgbClr val="f79646"/>
       </a:accent6>
       <a:hlink>
-        <a:srgbClr val="0000FF"/>
+        <a:srgbClr val="0000ff"/>
       </a:hlink>
       <a:folHlink>
         <a:srgbClr val="800080"/>
@@ -27318,17 +27228,6 @@
               </a:srgbClr>
             </a:outerShdw>
           </a:effectLst>
-          <a:scene3d>
-            <a:camera prst="orthographicFront">
-              <a:rot lat="0" lon="0" rev="0"/>
-            </a:camera>
-            <a:lightRig rig="threePt" dir="t">
-              <a:rot lat="0" lon="0" rev="1200000"/>
-            </a:lightRig>
-          </a:scene3d>
-          <a:sp3d>
-            <a:bevelT w="63500" h="25400"/>
-          </a:sp3d>
         </a:effectStyle>
       </a:effectStyleLst>
       <a:bgFillStyleLst>
@@ -27383,7 +27282,5 @@
       </a:bgFillStyleLst>
     </a:fmtScheme>
   </a:themeElements>
-  <a:objectDefaults/>
-  <a:extraClrSchemeLst/>
 </a:theme>
 </file>